--- a/CalendarioAgo2022/presentaciones/2_Componentes.pptx
+++ b/CalendarioAgo2022/presentaciones/2_Componentes.pptx
@@ -231,7 +231,7 @@
           <a:p>
             <a:fld id="{2D445F07-8756-451B-A938-0248325FC7BB}" type="datetimeFigureOut">
               <a:rPr lang="es-MX" smtClean="0"/>
-              <a:t>21/09/2022</a:t>
+              <a:t>22/09/2022</a:t>
             </a:fld>
             <a:endParaRPr lang="es-MX" dirty="0"/>
           </a:p>
@@ -1856,7 +1856,7 @@
           <a:p>
             <a:fld id="{5E75A0DC-66C6-4CEC-A5EB-F8C97CEC3796}" type="datetimeFigureOut">
               <a:rPr lang="es-MX" smtClean="0"/>
-              <a:t>21/09/2022</a:t>
+              <a:t>22/09/2022</a:t>
             </a:fld>
             <a:endParaRPr lang="es-MX" dirty="0"/>
           </a:p>
@@ -2026,7 +2026,7 @@
           <a:p>
             <a:fld id="{5E75A0DC-66C6-4CEC-A5EB-F8C97CEC3796}" type="datetimeFigureOut">
               <a:rPr lang="es-MX" smtClean="0"/>
-              <a:t>21/09/2022</a:t>
+              <a:t>22/09/2022</a:t>
             </a:fld>
             <a:endParaRPr lang="es-MX" dirty="0"/>
           </a:p>
@@ -2206,7 +2206,7 @@
           <a:p>
             <a:fld id="{5E75A0DC-66C6-4CEC-A5EB-F8C97CEC3796}" type="datetimeFigureOut">
               <a:rPr lang="es-MX" smtClean="0"/>
-              <a:t>21/09/2022</a:t>
+              <a:t>22/09/2022</a:t>
             </a:fld>
             <a:endParaRPr lang="es-MX" dirty="0"/>
           </a:p>
@@ -2359,7 +2359,7 @@
           <a:p>
             <a:fld id="{1D8BD707-D9CF-40AE-B4C6-C98DA3205C09}" type="datetimeFigureOut">
               <a:rPr lang="en-US" smtClean="0"/>
-              <a:t>9/21/2022</a:t>
+              <a:t>9/22/2022</a:t>
             </a:fld>
             <a:endParaRPr lang="en-US"/>
           </a:p>
@@ -2519,7 +2519,7 @@
           <a:p>
             <a:fld id="{5E75A0DC-66C6-4CEC-A5EB-F8C97CEC3796}" type="datetimeFigureOut">
               <a:rPr lang="es-MX" smtClean="0"/>
-              <a:t>21/09/2022</a:t>
+              <a:t>22/09/2022</a:t>
             </a:fld>
             <a:endParaRPr lang="es-MX" dirty="0"/>
           </a:p>
@@ -2765,7 +2765,7 @@
           <a:p>
             <a:fld id="{5E75A0DC-66C6-4CEC-A5EB-F8C97CEC3796}" type="datetimeFigureOut">
               <a:rPr lang="es-MX" smtClean="0"/>
-              <a:t>21/09/2022</a:t>
+              <a:t>22/09/2022</a:t>
             </a:fld>
             <a:endParaRPr lang="es-MX" dirty="0"/>
           </a:p>
@@ -3053,7 +3053,7 @@
           <a:p>
             <a:fld id="{5E75A0DC-66C6-4CEC-A5EB-F8C97CEC3796}" type="datetimeFigureOut">
               <a:rPr lang="es-MX" smtClean="0"/>
-              <a:t>21/09/2022</a:t>
+              <a:t>22/09/2022</a:t>
             </a:fld>
             <a:endParaRPr lang="es-MX" dirty="0"/>
           </a:p>
@@ -3475,7 +3475,7 @@
           <a:p>
             <a:fld id="{5E75A0DC-66C6-4CEC-A5EB-F8C97CEC3796}" type="datetimeFigureOut">
               <a:rPr lang="es-MX" smtClean="0"/>
-              <a:t>21/09/2022</a:t>
+              <a:t>22/09/2022</a:t>
             </a:fld>
             <a:endParaRPr lang="es-MX" dirty="0"/>
           </a:p>
@@ -3593,7 +3593,7 @@
           <a:p>
             <a:fld id="{5E75A0DC-66C6-4CEC-A5EB-F8C97CEC3796}" type="datetimeFigureOut">
               <a:rPr lang="es-MX" smtClean="0"/>
-              <a:t>21/09/2022</a:t>
+              <a:t>22/09/2022</a:t>
             </a:fld>
             <a:endParaRPr lang="es-MX" dirty="0"/>
           </a:p>
@@ -3688,7 +3688,7 @@
           <a:p>
             <a:fld id="{5E75A0DC-66C6-4CEC-A5EB-F8C97CEC3796}" type="datetimeFigureOut">
               <a:rPr lang="es-MX" smtClean="0"/>
-              <a:t>21/09/2022</a:t>
+              <a:t>22/09/2022</a:t>
             </a:fld>
             <a:endParaRPr lang="es-MX" dirty="0"/>
           </a:p>
@@ -3965,7 +3965,7 @@
           <a:p>
             <a:fld id="{5E75A0DC-66C6-4CEC-A5EB-F8C97CEC3796}" type="datetimeFigureOut">
               <a:rPr lang="es-MX" smtClean="0"/>
-              <a:t>21/09/2022</a:t>
+              <a:t>22/09/2022</a:t>
             </a:fld>
             <a:endParaRPr lang="es-MX" dirty="0"/>
           </a:p>
@@ -4218,7 +4218,7 @@
           <a:p>
             <a:fld id="{5E75A0DC-66C6-4CEC-A5EB-F8C97CEC3796}" type="datetimeFigureOut">
               <a:rPr lang="es-MX" smtClean="0"/>
-              <a:t>21/09/2022</a:t>
+              <a:t>22/09/2022</a:t>
             </a:fld>
             <a:endParaRPr lang="es-MX" dirty="0"/>
           </a:p>
@@ -4431,7 +4431,7 @@
           <a:p>
             <a:fld id="{5E75A0DC-66C6-4CEC-A5EB-F8C97CEC3796}" type="datetimeFigureOut">
               <a:rPr lang="es-MX" smtClean="0"/>
-              <a:t>21/09/2022</a:t>
+              <a:t>22/09/2022</a:t>
             </a:fld>
             <a:endParaRPr lang="es-MX" dirty="0"/>
           </a:p>
@@ -7365,7 +7365,7 @@
         <p:spPr bwMode="auto">
           <a:xfrm>
             <a:off x="943857" y="1556792"/>
-            <a:ext cx="7488831" cy="2877711"/>
+            <a:ext cx="7488831" cy="3379387"/>
           </a:xfrm>
           <a:prstGeom prst="rect">
             <a:avLst/>
@@ -7518,6 +7518,36 @@
                 </a:solidFill>
               </a:rPr>
               <a:t>averigua el tipo de dato detectado.</a:t>
+            </a:r>
+          </a:p>
+          <a:p>
+            <a:pPr marL="342900" indent="-342900" algn="just">
+              <a:lnSpc>
+                <a:spcPct val="115000"/>
+              </a:lnSpc>
+              <a:spcAft>
+                <a:spcPts val="600"/>
+              </a:spcAft>
+              <a:buFont typeface="Symbol" panose="05050102010706020507" pitchFamily="18" charset="2"/>
+              <a:buChar char=""/>
+            </a:pPr>
+            <a:r>
+              <a:rPr lang="es-MX" sz="2400" dirty="0">
+                <a:solidFill>
+                  <a:schemeClr val="bg2">
+                    <a:lumMod val="25000"/>
+                  </a:schemeClr>
+                </a:solidFill>
+              </a:rPr>
+              <a:t>Guarda tu archivo como </a:t>
+            </a:r>
+            <a:r>
+              <a:rPr lang="es-MX" sz="2400" b="1" dirty="0">
+                <a:solidFill>
+                  <a:srgbClr val="FF0000"/>
+                </a:solidFill>
+              </a:rPr>
+              <a:t>datos_matrícula.py</a:t>
             </a:r>
           </a:p>
           <a:p>
@@ -7627,8 +7657,8 @@
         </p:blipFill>
         <p:spPr>
           <a:xfrm>
-            <a:off x="5418184" y="3933056"/>
-            <a:ext cx="2770947" cy="2515259"/>
+            <a:off x="6021991" y="4725144"/>
+            <a:ext cx="2178152" cy="1977164"/>
           </a:xfrm>
           <a:prstGeom prst="rect">
             <a:avLst/>

--- a/CalendarioAgo2022/presentaciones/2_Componentes.pptx
+++ b/CalendarioAgo2022/presentaciones/2_Componentes.pptx
@@ -231,7 +231,7 @@
           <a:p>
             <a:fld id="{2D445F07-8756-451B-A938-0248325FC7BB}" type="datetimeFigureOut">
               <a:rPr lang="es-MX" smtClean="0"/>
-              <a:t>22/09/2022</a:t>
+              <a:t>23/09/2022</a:t>
             </a:fld>
             <a:endParaRPr lang="es-MX" dirty="0"/>
           </a:p>
@@ -1856,7 +1856,7 @@
           <a:p>
             <a:fld id="{5E75A0DC-66C6-4CEC-A5EB-F8C97CEC3796}" type="datetimeFigureOut">
               <a:rPr lang="es-MX" smtClean="0"/>
-              <a:t>22/09/2022</a:t>
+              <a:t>23/09/2022</a:t>
             </a:fld>
             <a:endParaRPr lang="es-MX" dirty="0"/>
           </a:p>
@@ -2026,7 +2026,7 @@
           <a:p>
             <a:fld id="{5E75A0DC-66C6-4CEC-A5EB-F8C97CEC3796}" type="datetimeFigureOut">
               <a:rPr lang="es-MX" smtClean="0"/>
-              <a:t>22/09/2022</a:t>
+              <a:t>23/09/2022</a:t>
             </a:fld>
             <a:endParaRPr lang="es-MX" dirty="0"/>
           </a:p>
@@ -2206,7 +2206,7 @@
           <a:p>
             <a:fld id="{5E75A0DC-66C6-4CEC-A5EB-F8C97CEC3796}" type="datetimeFigureOut">
               <a:rPr lang="es-MX" smtClean="0"/>
-              <a:t>22/09/2022</a:t>
+              <a:t>23/09/2022</a:t>
             </a:fld>
             <a:endParaRPr lang="es-MX" dirty="0"/>
           </a:p>
@@ -2359,7 +2359,7 @@
           <a:p>
             <a:fld id="{1D8BD707-D9CF-40AE-B4C6-C98DA3205C09}" type="datetimeFigureOut">
               <a:rPr lang="en-US" smtClean="0"/>
-              <a:t>9/22/2022</a:t>
+              <a:t>9/23/2022</a:t>
             </a:fld>
             <a:endParaRPr lang="en-US"/>
           </a:p>
@@ -2519,7 +2519,7 @@
           <a:p>
             <a:fld id="{5E75A0DC-66C6-4CEC-A5EB-F8C97CEC3796}" type="datetimeFigureOut">
               <a:rPr lang="es-MX" smtClean="0"/>
-              <a:t>22/09/2022</a:t>
+              <a:t>23/09/2022</a:t>
             </a:fld>
             <a:endParaRPr lang="es-MX" dirty="0"/>
           </a:p>
@@ -2765,7 +2765,7 @@
           <a:p>
             <a:fld id="{5E75A0DC-66C6-4CEC-A5EB-F8C97CEC3796}" type="datetimeFigureOut">
               <a:rPr lang="es-MX" smtClean="0"/>
-              <a:t>22/09/2022</a:t>
+              <a:t>23/09/2022</a:t>
             </a:fld>
             <a:endParaRPr lang="es-MX" dirty="0"/>
           </a:p>
@@ -3053,7 +3053,7 @@
           <a:p>
             <a:fld id="{5E75A0DC-66C6-4CEC-A5EB-F8C97CEC3796}" type="datetimeFigureOut">
               <a:rPr lang="es-MX" smtClean="0"/>
-              <a:t>22/09/2022</a:t>
+              <a:t>23/09/2022</a:t>
             </a:fld>
             <a:endParaRPr lang="es-MX" dirty="0"/>
           </a:p>
@@ -3475,7 +3475,7 @@
           <a:p>
             <a:fld id="{5E75A0DC-66C6-4CEC-A5EB-F8C97CEC3796}" type="datetimeFigureOut">
               <a:rPr lang="es-MX" smtClean="0"/>
-              <a:t>22/09/2022</a:t>
+              <a:t>23/09/2022</a:t>
             </a:fld>
             <a:endParaRPr lang="es-MX" dirty="0"/>
           </a:p>
@@ -3593,7 +3593,7 @@
           <a:p>
             <a:fld id="{5E75A0DC-66C6-4CEC-A5EB-F8C97CEC3796}" type="datetimeFigureOut">
               <a:rPr lang="es-MX" smtClean="0"/>
-              <a:t>22/09/2022</a:t>
+              <a:t>23/09/2022</a:t>
             </a:fld>
             <a:endParaRPr lang="es-MX" dirty="0"/>
           </a:p>
@@ -3688,7 +3688,7 @@
           <a:p>
             <a:fld id="{5E75A0DC-66C6-4CEC-A5EB-F8C97CEC3796}" type="datetimeFigureOut">
               <a:rPr lang="es-MX" smtClean="0"/>
-              <a:t>22/09/2022</a:t>
+              <a:t>23/09/2022</a:t>
             </a:fld>
             <a:endParaRPr lang="es-MX" dirty="0"/>
           </a:p>
@@ -3965,7 +3965,7 @@
           <a:p>
             <a:fld id="{5E75A0DC-66C6-4CEC-A5EB-F8C97CEC3796}" type="datetimeFigureOut">
               <a:rPr lang="es-MX" smtClean="0"/>
-              <a:t>22/09/2022</a:t>
+              <a:t>23/09/2022</a:t>
             </a:fld>
             <a:endParaRPr lang="es-MX" dirty="0"/>
           </a:p>
@@ -4218,7 +4218,7 @@
           <a:p>
             <a:fld id="{5E75A0DC-66C6-4CEC-A5EB-F8C97CEC3796}" type="datetimeFigureOut">
               <a:rPr lang="es-MX" smtClean="0"/>
-              <a:t>22/09/2022</a:t>
+              <a:t>23/09/2022</a:t>
             </a:fld>
             <a:endParaRPr lang="es-MX" dirty="0"/>
           </a:p>
@@ -4431,7 +4431,7 @@
           <a:p>
             <a:fld id="{5E75A0DC-66C6-4CEC-A5EB-F8C97CEC3796}" type="datetimeFigureOut">
               <a:rPr lang="es-MX" smtClean="0"/>
-              <a:t>22/09/2022</a:t>
+              <a:t>23/09/2022</a:t>
             </a:fld>
             <a:endParaRPr lang="es-MX" dirty="0"/>
           </a:p>
@@ -12126,27 +12126,47 @@
                   </a:schemeClr>
                 </a:solidFill>
               </a:rPr>
-              <a:t> equivalen a </a:t>
-            </a:r>
-            <a:r>
-              <a:rPr lang="es-ES" sz="2600" b="1" dirty="0">
+              <a:t> equivalen </a:t>
+            </a:r>
+            <a:r>
+              <a:rPr lang="es-ES" sz="2600">
+                <a:solidFill>
+                  <a:schemeClr val="bg2">
+                    <a:lumMod val="25000"/>
+                  </a:schemeClr>
+                </a:solidFill>
+              </a:rPr>
+              <a:t>a </a:t>
+            </a:r>
+            <a:r>
+              <a:rPr lang="es-ES" sz="2600" b="1">
                 <a:solidFill>
                   <a:schemeClr val="accent6">
                     <a:lumMod val="75000"/>
                   </a:schemeClr>
                 </a:solidFill>
               </a:rPr>
-              <a:t>%2.f</a:t>
-            </a:r>
-            <a:r>
-              <a:rPr lang="es-ES" sz="2600" dirty="0">
+              <a:t>%.2f</a:t>
+            </a:r>
+            <a:r>
+              <a:rPr lang="es-ES" sz="2600">
                 <a:solidFill>
                   <a:schemeClr val="bg2">
                     <a:lumMod val="25000"/>
                   </a:schemeClr>
                 </a:solidFill>
               </a:rPr>
-              <a:t> grados </a:t>
+              <a:t> </a:t>
+            </a:r>
+            <a:r>
+              <a:rPr lang="es-ES" sz="2600" dirty="0">
+                <a:solidFill>
+                  <a:schemeClr val="bg2">
+                    <a:lumMod val="25000"/>
+                  </a:schemeClr>
+                </a:solidFill>
+              </a:rPr>
+              <a:t>grados </a:t>
             </a:r>
             <a:r>
               <a:rPr lang="es-ES" sz="2600" dirty="0" err="1">
